--- a/Twitter Look Alike.pptx
+++ b/Twitter Look Alike.pptx
@@ -13,7 +13,8 @@
     <p:sldId id="259" r:id="rId7"/>
     <p:sldId id="258" r:id="rId8"/>
     <p:sldId id="260" r:id="rId9"/>
-    <p:sldId id="264" r:id="rId10"/>
+    <p:sldId id="265" r:id="rId10"/>
+    <p:sldId id="264" r:id="rId11"/>
   </p:sldIdLst>
   <p:sldSz cx="12192000" cy="6858000"/>
   <p:notesSz cx="6858000" cy="9144000"/>
@@ -112,6 +113,11 @@
       </a:defRPr>
     </a:lvl9pPr>
   </p:defaultTextStyle>
+  <p:extLst>
+    <p:ext uri="{EFAFB233-063F-42B5-8137-9DF3F51BA10A}">
+      <p15:sldGuideLst xmlns:p15="http://schemas.microsoft.com/office/powerpoint/2012/main"/>
+    </p:ext>
+  </p:extLst>
 </p:presentation>
 </file>
 
@@ -11305,7 +11311,7 @@
           <a:p>
             <a:fld id="{FD2766A6-3C10-4AB8-86A1-BB1F0CDA7EFE}" type="datetimeFigureOut">
               <a:rPr lang="en-US" smtClean="0"/>
-              <a:t>04-Oct-23</a:t>
+              <a:t>05-Oct-23</a:t>
             </a:fld>
             <a:endParaRPr lang="en-US"/>
           </a:p>
@@ -11503,7 +11509,7 @@
           <a:p>
             <a:fld id="{FD2766A6-3C10-4AB8-86A1-BB1F0CDA7EFE}" type="datetimeFigureOut">
               <a:rPr lang="en-US" smtClean="0"/>
-              <a:t>04-Oct-23</a:t>
+              <a:t>05-Oct-23</a:t>
             </a:fld>
             <a:endParaRPr lang="en-US"/>
           </a:p>
@@ -11711,7 +11717,7 @@
           <a:p>
             <a:fld id="{FD2766A6-3C10-4AB8-86A1-BB1F0CDA7EFE}" type="datetimeFigureOut">
               <a:rPr lang="en-US" smtClean="0"/>
-              <a:t>04-Oct-23</a:t>
+              <a:t>05-Oct-23</a:t>
             </a:fld>
             <a:endParaRPr lang="en-US"/>
           </a:p>
@@ -11909,7 +11915,7 @@
           <a:p>
             <a:fld id="{FD2766A6-3C10-4AB8-86A1-BB1F0CDA7EFE}" type="datetimeFigureOut">
               <a:rPr lang="en-US" smtClean="0"/>
-              <a:t>04-Oct-23</a:t>
+              <a:t>05-Oct-23</a:t>
             </a:fld>
             <a:endParaRPr lang="en-US"/>
           </a:p>
@@ -12182,7 +12188,7 @@
           <a:p>
             <a:fld id="{FD2766A6-3C10-4AB8-86A1-BB1F0CDA7EFE}" type="datetimeFigureOut">
               <a:rPr lang="en-US" smtClean="0"/>
-              <a:t>04-Oct-23</a:t>
+              <a:t>05-Oct-23</a:t>
             </a:fld>
             <a:endParaRPr lang="en-US"/>
           </a:p>
@@ -12447,7 +12453,7 @@
           <a:p>
             <a:fld id="{FD2766A6-3C10-4AB8-86A1-BB1F0CDA7EFE}" type="datetimeFigureOut">
               <a:rPr lang="en-US" smtClean="0"/>
-              <a:t>04-Oct-23</a:t>
+              <a:t>05-Oct-23</a:t>
             </a:fld>
             <a:endParaRPr lang="en-US"/>
           </a:p>
@@ -12873,7 +12879,7 @@
           <a:p>
             <a:fld id="{FD2766A6-3C10-4AB8-86A1-BB1F0CDA7EFE}" type="datetimeFigureOut">
               <a:rPr lang="en-US" smtClean="0"/>
-              <a:t>04-Oct-23</a:t>
+              <a:t>05-Oct-23</a:t>
             </a:fld>
             <a:endParaRPr lang="en-US"/>
           </a:p>
@@ -13014,7 +13020,7 @@
           <a:p>
             <a:fld id="{FD2766A6-3C10-4AB8-86A1-BB1F0CDA7EFE}" type="datetimeFigureOut">
               <a:rPr lang="en-US" smtClean="0"/>
-              <a:t>04-Oct-23</a:t>
+              <a:t>05-Oct-23</a:t>
             </a:fld>
             <a:endParaRPr lang="en-US"/>
           </a:p>
@@ -13127,7 +13133,7 @@
           <a:p>
             <a:fld id="{FD2766A6-3C10-4AB8-86A1-BB1F0CDA7EFE}" type="datetimeFigureOut">
               <a:rPr lang="en-US" smtClean="0"/>
-              <a:t>04-Oct-23</a:t>
+              <a:t>05-Oct-23</a:t>
             </a:fld>
             <a:endParaRPr lang="en-US"/>
           </a:p>
@@ -13482,7 +13488,7 @@
           <a:p>
             <a:fld id="{FD2766A6-3C10-4AB8-86A1-BB1F0CDA7EFE}" type="datetimeFigureOut">
               <a:rPr lang="en-US" smtClean="0"/>
-              <a:t>04-Oct-23</a:t>
+              <a:t>05-Oct-23</a:t>
             </a:fld>
             <a:endParaRPr lang="en-US"/>
           </a:p>
@@ -13812,7 +13818,7 @@
           <a:p>
             <a:fld id="{FD2766A6-3C10-4AB8-86A1-BB1F0CDA7EFE}" type="datetimeFigureOut">
               <a:rPr lang="en-US" smtClean="0"/>
-              <a:t>04-Oct-23</a:t>
+              <a:t>05-Oct-23</a:t>
             </a:fld>
             <a:endParaRPr lang="en-US"/>
           </a:p>
@@ -14054,7 +14060,7 @@
             <a:fld id="{FD2766A6-3C10-4AB8-86A1-BB1F0CDA7EFE}" type="datetimeFigureOut">
               <a:rPr lang="en-US" smtClean="0"/>
               <a:pPr/>
-              <a:t>04-Oct-23</a:t>
+              <a:t>05-Oct-23</a:t>
             </a:fld>
             <a:endParaRPr lang="en-US" dirty="0"/>
           </a:p>
@@ -14664,6 +14670,97 @@
     <p:extLst>
       <p:ext uri="{BB962C8B-B14F-4D97-AF65-F5344CB8AC3E}">
         <p14:creationId xmlns:p14="http://schemas.microsoft.com/office/powerpoint/2010/main" val="1236480471"/>
+      </p:ext>
+    </p:extLst>
+  </p:cSld>
+  <p:clrMapOvr>
+    <a:masterClrMapping/>
+  </p:clrMapOvr>
+</p:sld>
+</file>
+
+<file path=ppt/slides/slide10.xml><?xml version="1.0" encoding="utf-8"?>
+<p:sld xmlns:a="http://schemas.openxmlformats.org/drawingml/2006/main" xmlns:r="http://schemas.openxmlformats.org/officeDocument/2006/relationships" xmlns:p="http://schemas.openxmlformats.org/presentationml/2006/main">
+  <p:cSld>
+    <p:spTree>
+      <p:nvGrpSpPr>
+        <p:cNvPr id="1" name=""/>
+        <p:cNvGrpSpPr/>
+        <p:nvPr/>
+      </p:nvGrpSpPr>
+      <p:grpSpPr>
+        <a:xfrm>
+          <a:off x="0" y="0"/>
+          <a:ext cx="0" cy="0"/>
+          <a:chOff x="0" y="0"/>
+          <a:chExt cx="0" cy="0"/>
+        </a:xfrm>
+      </p:grpSpPr>
+      <p:sp>
+        <p:nvSpPr>
+          <p:cNvPr id="6" name="Rectangle 5">
+            <a:extLst>
+              <a:ext uri="{FF2B5EF4-FFF2-40B4-BE49-F238E27FC236}">
+                <a16:creationId xmlns:a16="http://schemas.microsoft.com/office/drawing/2014/main" id="{4AA29E27-EDFD-651C-A416-DAB01444E52E}"/>
+              </a:ext>
+            </a:extLst>
+          </p:cNvPr>
+          <p:cNvSpPr/>
+          <p:nvPr/>
+        </p:nvSpPr>
+        <p:spPr>
+          <a:xfrm>
+            <a:off x="2804134" y="2043604"/>
+            <a:ext cx="5910658" cy="923330"/>
+          </a:xfrm>
+          <a:prstGeom prst="rect">
+            <a:avLst/>
+          </a:prstGeom>
+          <a:noFill/>
+        </p:spPr>
+        <p:txBody>
+          <a:bodyPr wrap="square" lIns="91440" tIns="45720" rIns="91440" bIns="45720">
+            <a:spAutoFit/>
+          </a:bodyPr>
+          <a:lstStyle/>
+          <a:p>
+            <a:pPr algn="ctr"/>
+            <a:r>
+              <a:rPr lang="en-US" sz="5400" dirty="0">
+                <a:ln w="0"/>
+                <a:solidFill>
+                  <a:schemeClr val="accent1"/>
+                </a:solidFill>
+                <a:effectLst>
+                  <a:outerShdw blurRad="38100" dist="25400" dir="5400000" algn="ctr" rotWithShape="0">
+                    <a:srgbClr val="6E747A">
+                      <a:alpha val="43000"/>
+                    </a:srgbClr>
+                  </a:outerShdw>
+                </a:effectLst>
+              </a:rPr>
+              <a:t>Working Demo</a:t>
+            </a:r>
+            <a:endParaRPr lang="en-US" sz="5400" b="0" cap="none" spc="0" dirty="0">
+              <a:ln w="0"/>
+              <a:solidFill>
+                <a:schemeClr val="accent1"/>
+              </a:solidFill>
+              <a:effectLst>
+                <a:outerShdw blurRad="38100" dist="25400" dir="5400000" algn="ctr" rotWithShape="0">
+                  <a:srgbClr val="6E747A">
+                    <a:alpha val="43000"/>
+                  </a:srgbClr>
+                </a:outerShdw>
+              </a:effectLst>
+            </a:endParaRPr>
+          </a:p>
+        </p:txBody>
+      </p:sp>
+    </p:spTree>
+    <p:extLst>
+      <p:ext uri="{BB962C8B-B14F-4D97-AF65-F5344CB8AC3E}">
+        <p14:creationId xmlns:p14="http://schemas.microsoft.com/office/powerpoint/2010/main" val="3557518551"/>
       </p:ext>
     </p:extLst>
   </p:cSld>
@@ -15664,10 +15761,39 @@
       </p:grpSpPr>
       <p:sp>
         <p:nvSpPr>
-          <p:cNvPr id="6" name="Rectangle 5">
+          <p:cNvPr id="2" name="Title 1">
             <a:extLst>
               <a:ext uri="{FF2B5EF4-FFF2-40B4-BE49-F238E27FC236}">
-                <a16:creationId xmlns:a16="http://schemas.microsoft.com/office/drawing/2014/main" id="{4AA29E27-EDFD-651C-A416-DAB01444E52E}"/>
+                <a16:creationId xmlns:a16="http://schemas.microsoft.com/office/drawing/2014/main" id="{A3FA550D-918A-9F80-1329-42724A2BACAA}"/>
+              </a:ext>
+            </a:extLst>
+          </p:cNvPr>
+          <p:cNvSpPr>
+            <a:spLocks noGrp="1"/>
+          </p:cNvSpPr>
+          <p:nvPr>
+            <p:ph type="title"/>
+          </p:nvPr>
+        </p:nvSpPr>
+        <p:spPr/>
+        <p:txBody>
+          <a:bodyPr/>
+          <a:lstStyle/>
+          <a:p>
+            <a:r>
+              <a:rPr lang="en-US" dirty="0"/>
+              <a:t>React Components</a:t>
+            </a:r>
+            <a:endParaRPr lang="en-IN" dirty="0"/>
+          </a:p>
+        </p:txBody>
+      </p:sp>
+      <p:sp>
+        <p:nvSpPr>
+          <p:cNvPr id="4" name="Rectangle 3">
+            <a:extLst>
+              <a:ext uri="{FF2B5EF4-FFF2-40B4-BE49-F238E27FC236}">
+                <a16:creationId xmlns:a16="http://schemas.microsoft.com/office/drawing/2014/main" id="{931B3CED-2809-77D6-C129-8416FFB48671}"/>
               </a:ext>
             </a:extLst>
           </p:cNvPr>
@@ -15676,8 +15802,394 @@
         </p:nvSpPr>
         <p:spPr>
           <a:xfrm>
-            <a:off x="2804134" y="2043604"/>
-            <a:ext cx="5910658" cy="923330"/>
+            <a:off x="1446245" y="1838131"/>
+            <a:ext cx="2192694" cy="671804"/>
+          </a:xfrm>
+          <a:prstGeom prst="rect">
+            <a:avLst/>
+          </a:prstGeom>
+        </p:spPr>
+        <p:style>
+          <a:lnRef idx="2">
+            <a:schemeClr val="accent1">
+              <a:shade val="50000"/>
+            </a:schemeClr>
+          </a:lnRef>
+          <a:fillRef idx="1">
+            <a:schemeClr val="accent1"/>
+          </a:fillRef>
+          <a:effectRef idx="0">
+            <a:schemeClr val="accent1"/>
+          </a:effectRef>
+          <a:fontRef idx="minor">
+            <a:schemeClr val="lt1"/>
+          </a:fontRef>
+        </p:style>
+        <p:txBody>
+          <a:bodyPr rtlCol="0" anchor="ctr"/>
+          <a:lstStyle/>
+          <a:p>
+            <a:pPr algn="ctr"/>
+            <a:r>
+              <a:rPr lang="en-US" dirty="0" err="1"/>
+              <a:t>LogInPage</a:t>
+            </a:r>
+            <a:endParaRPr lang="en-IN" dirty="0"/>
+          </a:p>
+        </p:txBody>
+      </p:sp>
+      <p:sp>
+        <p:nvSpPr>
+          <p:cNvPr id="5" name="Rectangle 4">
+            <a:extLst>
+              <a:ext uri="{FF2B5EF4-FFF2-40B4-BE49-F238E27FC236}">
+                <a16:creationId xmlns:a16="http://schemas.microsoft.com/office/drawing/2014/main" id="{C4B4AF92-6CF4-BFBE-9F6C-22F785FE1074}"/>
+              </a:ext>
+            </a:extLst>
+          </p:cNvPr>
+          <p:cNvSpPr/>
+          <p:nvPr/>
+        </p:nvSpPr>
+        <p:spPr>
+          <a:xfrm>
+            <a:off x="4488023" y="1838131"/>
+            <a:ext cx="1894115" cy="690465"/>
+          </a:xfrm>
+          <a:prstGeom prst="rect">
+            <a:avLst/>
+          </a:prstGeom>
+        </p:spPr>
+        <p:style>
+          <a:lnRef idx="2">
+            <a:schemeClr val="accent1">
+              <a:shade val="50000"/>
+            </a:schemeClr>
+          </a:lnRef>
+          <a:fillRef idx="1">
+            <a:schemeClr val="accent1"/>
+          </a:fillRef>
+          <a:effectRef idx="0">
+            <a:schemeClr val="accent1"/>
+          </a:effectRef>
+          <a:fontRef idx="minor">
+            <a:schemeClr val="lt1"/>
+          </a:fontRef>
+        </p:style>
+        <p:txBody>
+          <a:bodyPr rtlCol="0" anchor="ctr"/>
+          <a:lstStyle/>
+          <a:p>
+            <a:pPr algn="ctr"/>
+            <a:r>
+              <a:rPr lang="en-US" dirty="0" err="1"/>
+              <a:t>CreateAccount</a:t>
+            </a:r>
+            <a:endParaRPr lang="en-IN" dirty="0"/>
+          </a:p>
+        </p:txBody>
+      </p:sp>
+      <p:sp>
+        <p:nvSpPr>
+          <p:cNvPr id="6" name="Rectangle 5">
+            <a:extLst>
+              <a:ext uri="{FF2B5EF4-FFF2-40B4-BE49-F238E27FC236}">
+                <a16:creationId xmlns:a16="http://schemas.microsoft.com/office/drawing/2014/main" id="{D6E5DE7B-A6DD-F642-7CF8-A3409EAEF4C6}"/>
+              </a:ext>
+            </a:extLst>
+          </p:cNvPr>
+          <p:cNvSpPr/>
+          <p:nvPr/>
+        </p:nvSpPr>
+        <p:spPr>
+          <a:xfrm>
+            <a:off x="1371600" y="2892490"/>
+            <a:ext cx="7856376" cy="3305855"/>
+          </a:xfrm>
+          <a:prstGeom prst="rect">
+            <a:avLst/>
+          </a:prstGeom>
+        </p:spPr>
+        <p:style>
+          <a:lnRef idx="2">
+            <a:schemeClr val="accent1">
+              <a:shade val="50000"/>
+            </a:schemeClr>
+          </a:lnRef>
+          <a:fillRef idx="1">
+            <a:schemeClr val="accent1"/>
+          </a:fillRef>
+          <a:effectRef idx="0">
+            <a:schemeClr val="accent1"/>
+          </a:effectRef>
+          <a:fontRef idx="minor">
+            <a:schemeClr val="lt1"/>
+          </a:fontRef>
+        </p:style>
+        <p:txBody>
+          <a:bodyPr rtlCol="0" anchor="ctr"/>
+          <a:lstStyle/>
+          <a:p>
+            <a:pPr algn="ctr"/>
+            <a:r>
+              <a:rPr lang="en-US" dirty="0"/>
+              <a:t>Main Page</a:t>
+            </a:r>
+            <a:endParaRPr lang="en-IN" dirty="0"/>
+          </a:p>
+        </p:txBody>
+      </p:sp>
+      <p:sp>
+        <p:nvSpPr>
+          <p:cNvPr id="7" name="Rectangle 6">
+            <a:extLst>
+              <a:ext uri="{FF2B5EF4-FFF2-40B4-BE49-F238E27FC236}">
+                <a16:creationId xmlns:a16="http://schemas.microsoft.com/office/drawing/2014/main" id="{46564A36-5ED3-EFDB-FE38-9BB4387804FD}"/>
+              </a:ext>
+            </a:extLst>
+          </p:cNvPr>
+          <p:cNvSpPr/>
+          <p:nvPr/>
+        </p:nvSpPr>
+        <p:spPr>
+          <a:xfrm>
+            <a:off x="1856791" y="3526971"/>
+            <a:ext cx="1436915" cy="2360646"/>
+          </a:xfrm>
+          <a:prstGeom prst="rect">
+            <a:avLst/>
+          </a:prstGeom>
+          <a:solidFill>
+            <a:schemeClr val="accent1">
+              <a:lumMod val="60000"/>
+              <a:lumOff val="40000"/>
+            </a:schemeClr>
+          </a:solidFill>
+          <a:ln>
+            <a:solidFill>
+              <a:schemeClr val="accent3">
+                <a:lumMod val="40000"/>
+                <a:lumOff val="60000"/>
+              </a:schemeClr>
+            </a:solidFill>
+          </a:ln>
+        </p:spPr>
+        <p:style>
+          <a:lnRef idx="2">
+            <a:schemeClr val="accent1">
+              <a:shade val="50000"/>
+            </a:schemeClr>
+          </a:lnRef>
+          <a:fillRef idx="1">
+            <a:schemeClr val="accent1"/>
+          </a:fillRef>
+          <a:effectRef idx="0">
+            <a:schemeClr val="accent1"/>
+          </a:effectRef>
+          <a:fontRef idx="minor">
+            <a:schemeClr val="lt1"/>
+          </a:fontRef>
+        </p:style>
+        <p:txBody>
+          <a:bodyPr rtlCol="0" anchor="ctr"/>
+          <a:lstStyle/>
+          <a:p>
+            <a:pPr algn="ctr"/>
+            <a:r>
+              <a:rPr lang="en-US" dirty="0" err="1"/>
+              <a:t>ProfilePage</a:t>
+            </a:r>
+            <a:endParaRPr lang="en-IN" dirty="0"/>
+          </a:p>
+        </p:txBody>
+      </p:sp>
+      <p:sp>
+        <p:nvSpPr>
+          <p:cNvPr id="8" name="Rectangle 7">
+            <a:extLst>
+              <a:ext uri="{FF2B5EF4-FFF2-40B4-BE49-F238E27FC236}">
+                <a16:creationId xmlns:a16="http://schemas.microsoft.com/office/drawing/2014/main" id="{ABC3DBE6-CA59-56D4-0C94-075FC7F10420}"/>
+              </a:ext>
+            </a:extLst>
+          </p:cNvPr>
+          <p:cNvSpPr/>
+          <p:nvPr/>
+        </p:nvSpPr>
+        <p:spPr>
+          <a:xfrm>
+            <a:off x="3778897" y="3526971"/>
+            <a:ext cx="4562669" cy="2360646"/>
+          </a:xfrm>
+          <a:prstGeom prst="rect">
+            <a:avLst/>
+          </a:prstGeom>
+          <a:solidFill>
+            <a:schemeClr val="accent1">
+              <a:lumMod val="60000"/>
+              <a:lumOff val="40000"/>
+            </a:schemeClr>
+          </a:solidFill>
+        </p:spPr>
+        <p:style>
+          <a:lnRef idx="2">
+            <a:schemeClr val="accent1">
+              <a:shade val="50000"/>
+            </a:schemeClr>
+          </a:lnRef>
+          <a:fillRef idx="1">
+            <a:schemeClr val="accent1"/>
+          </a:fillRef>
+          <a:effectRef idx="0">
+            <a:schemeClr val="accent1"/>
+          </a:effectRef>
+          <a:fontRef idx="minor">
+            <a:schemeClr val="lt1"/>
+          </a:fontRef>
+        </p:style>
+        <p:txBody>
+          <a:bodyPr rtlCol="0" anchor="ctr"/>
+          <a:lstStyle/>
+          <a:p>
+            <a:pPr algn="ctr"/>
+            <a:endParaRPr lang="en-IN" dirty="0"/>
+          </a:p>
+        </p:txBody>
+      </p:sp>
+      <p:sp>
+        <p:nvSpPr>
+          <p:cNvPr id="9" name="Rectangle 8">
+            <a:extLst>
+              <a:ext uri="{FF2B5EF4-FFF2-40B4-BE49-F238E27FC236}">
+                <a16:creationId xmlns:a16="http://schemas.microsoft.com/office/drawing/2014/main" id="{386AD4C0-A63D-C1B2-B5E4-098E86A5028A}"/>
+              </a:ext>
+            </a:extLst>
+          </p:cNvPr>
+          <p:cNvSpPr/>
+          <p:nvPr/>
+        </p:nvSpPr>
+        <p:spPr>
+          <a:xfrm>
+            <a:off x="3974839" y="4198774"/>
+            <a:ext cx="3890866" cy="606490"/>
+          </a:xfrm>
+          <a:prstGeom prst="rect">
+            <a:avLst/>
+          </a:prstGeom>
+          <a:solidFill>
+            <a:schemeClr val="accent1">
+              <a:lumMod val="40000"/>
+              <a:lumOff val="60000"/>
+            </a:schemeClr>
+          </a:solidFill>
+          <a:ln>
+            <a:solidFill>
+              <a:schemeClr val="accent3">
+                <a:lumMod val="20000"/>
+                <a:lumOff val="80000"/>
+              </a:schemeClr>
+            </a:solidFill>
+          </a:ln>
+        </p:spPr>
+        <p:style>
+          <a:lnRef idx="2">
+            <a:schemeClr val="accent1">
+              <a:shade val="50000"/>
+            </a:schemeClr>
+          </a:lnRef>
+          <a:fillRef idx="1">
+            <a:schemeClr val="accent1"/>
+          </a:fillRef>
+          <a:effectRef idx="0">
+            <a:schemeClr val="accent1"/>
+          </a:effectRef>
+          <a:fontRef idx="minor">
+            <a:schemeClr val="lt1"/>
+          </a:fontRef>
+        </p:style>
+        <p:txBody>
+          <a:bodyPr rtlCol="0" anchor="ctr"/>
+          <a:lstStyle/>
+          <a:p>
+            <a:pPr algn="ctr"/>
+            <a:r>
+              <a:rPr lang="en-US" dirty="0" err="1"/>
+              <a:t>PostingPage</a:t>
+            </a:r>
+            <a:endParaRPr lang="en-IN" dirty="0"/>
+          </a:p>
+        </p:txBody>
+      </p:sp>
+      <p:sp>
+        <p:nvSpPr>
+          <p:cNvPr id="10" name="Rectangle 9">
+            <a:extLst>
+              <a:ext uri="{FF2B5EF4-FFF2-40B4-BE49-F238E27FC236}">
+                <a16:creationId xmlns:a16="http://schemas.microsoft.com/office/drawing/2014/main" id="{C82D6427-E9F6-D3F7-DB04-226D8548B5FE}"/>
+              </a:ext>
+            </a:extLst>
+          </p:cNvPr>
+          <p:cNvSpPr/>
+          <p:nvPr/>
+        </p:nvSpPr>
+        <p:spPr>
+          <a:xfrm>
+            <a:off x="3974839" y="4973216"/>
+            <a:ext cx="3890866" cy="746449"/>
+          </a:xfrm>
+          <a:prstGeom prst="rect">
+            <a:avLst/>
+          </a:prstGeom>
+          <a:solidFill>
+            <a:schemeClr val="accent1">
+              <a:lumMod val="40000"/>
+              <a:lumOff val="60000"/>
+            </a:schemeClr>
+          </a:solidFill>
+        </p:spPr>
+        <p:style>
+          <a:lnRef idx="2">
+            <a:schemeClr val="accent1">
+              <a:shade val="50000"/>
+            </a:schemeClr>
+          </a:lnRef>
+          <a:fillRef idx="1">
+            <a:schemeClr val="accent1"/>
+          </a:fillRef>
+          <a:effectRef idx="0">
+            <a:schemeClr val="accent1"/>
+          </a:effectRef>
+          <a:fontRef idx="minor">
+            <a:schemeClr val="lt1"/>
+          </a:fontRef>
+        </p:style>
+        <p:txBody>
+          <a:bodyPr rtlCol="0" anchor="ctr"/>
+          <a:lstStyle/>
+          <a:p>
+            <a:pPr algn="ctr"/>
+            <a:r>
+              <a:rPr lang="en-US" dirty="0" err="1"/>
+              <a:t>TweetsView</a:t>
+            </a:r>
+            <a:endParaRPr lang="en-IN" dirty="0"/>
+          </a:p>
+        </p:txBody>
+      </p:sp>
+      <p:sp>
+        <p:nvSpPr>
+          <p:cNvPr id="11" name="TextBox 10">
+            <a:extLst>
+              <a:ext uri="{FF2B5EF4-FFF2-40B4-BE49-F238E27FC236}">
+                <a16:creationId xmlns:a16="http://schemas.microsoft.com/office/drawing/2014/main" id="{CA51D895-492E-CC10-CCBA-884BA3787BA8}"/>
+              </a:ext>
+            </a:extLst>
+          </p:cNvPr>
+          <p:cNvSpPr txBox="1"/>
+          <p:nvPr/>
+        </p:nvSpPr>
+        <p:spPr>
+          <a:xfrm>
+            <a:off x="1856791" y="3059667"/>
+            <a:ext cx="1227195" cy="369332"/>
           </a:xfrm>
           <a:prstGeom prst="rect">
             <a:avLst/>
@@ -15685,48 +16197,125 @@
           <a:noFill/>
         </p:spPr>
         <p:txBody>
-          <a:bodyPr wrap="square" lIns="91440" tIns="45720" rIns="91440" bIns="45720">
+          <a:bodyPr wrap="none" rtlCol="0">
             <a:spAutoFit/>
           </a:bodyPr>
           <a:lstStyle/>
           <a:p>
+            <a:r>
+              <a:rPr lang="en-US" dirty="0" err="1">
+                <a:solidFill>
+                  <a:schemeClr val="bg1"/>
+                </a:solidFill>
+              </a:rPr>
+              <a:t>MainPage</a:t>
+            </a:r>
+            <a:endParaRPr lang="en-IN" dirty="0">
+              <a:solidFill>
+                <a:schemeClr val="bg1"/>
+              </a:solidFill>
+            </a:endParaRPr>
+          </a:p>
+        </p:txBody>
+      </p:sp>
+      <p:sp>
+        <p:nvSpPr>
+          <p:cNvPr id="12" name="TextBox 11">
+            <a:extLst>
+              <a:ext uri="{FF2B5EF4-FFF2-40B4-BE49-F238E27FC236}">
+                <a16:creationId xmlns:a16="http://schemas.microsoft.com/office/drawing/2014/main" id="{A6B8A379-410E-3B1E-75A7-117D271109BA}"/>
+              </a:ext>
+            </a:extLst>
+          </p:cNvPr>
+          <p:cNvSpPr txBox="1"/>
+          <p:nvPr/>
+        </p:nvSpPr>
+        <p:spPr>
+          <a:xfrm>
+            <a:off x="4049486" y="3711737"/>
+            <a:ext cx="1623526" cy="369332"/>
+          </a:xfrm>
+          <a:prstGeom prst="rect">
+            <a:avLst/>
+          </a:prstGeom>
+          <a:noFill/>
+        </p:spPr>
+        <p:txBody>
+          <a:bodyPr wrap="square" rtlCol="0">
+            <a:spAutoFit/>
+          </a:bodyPr>
+          <a:lstStyle/>
+          <a:p>
+            <a:r>
+              <a:rPr lang="en-US" dirty="0">
+                <a:solidFill>
+                  <a:schemeClr val="bg1"/>
+                </a:solidFill>
+              </a:rPr>
+              <a:t>Tweets</a:t>
+            </a:r>
+            <a:endParaRPr lang="en-IN" dirty="0">
+              <a:solidFill>
+                <a:schemeClr val="bg1"/>
+              </a:solidFill>
+            </a:endParaRPr>
+          </a:p>
+        </p:txBody>
+      </p:sp>
+      <p:sp>
+        <p:nvSpPr>
+          <p:cNvPr id="13" name="Rectangle 12">
+            <a:extLst>
+              <a:ext uri="{FF2B5EF4-FFF2-40B4-BE49-F238E27FC236}">
+                <a16:creationId xmlns:a16="http://schemas.microsoft.com/office/drawing/2014/main" id="{605BFC54-7FC1-8522-9825-A6D49BC0ED9E}"/>
+              </a:ext>
+            </a:extLst>
+          </p:cNvPr>
+          <p:cNvSpPr/>
+          <p:nvPr/>
+        </p:nvSpPr>
+        <p:spPr>
+          <a:xfrm>
+            <a:off x="6913984" y="1808393"/>
+            <a:ext cx="2192694" cy="701542"/>
+          </a:xfrm>
+          <a:prstGeom prst="rect">
+            <a:avLst/>
+          </a:prstGeom>
+        </p:spPr>
+        <p:style>
+          <a:lnRef idx="2">
+            <a:schemeClr val="accent1">
+              <a:shade val="50000"/>
+            </a:schemeClr>
+          </a:lnRef>
+          <a:fillRef idx="1">
+            <a:schemeClr val="accent1"/>
+          </a:fillRef>
+          <a:effectRef idx="0">
+            <a:schemeClr val="accent1"/>
+          </a:effectRef>
+          <a:fontRef idx="minor">
+            <a:schemeClr val="lt1"/>
+          </a:fontRef>
+        </p:style>
+        <p:txBody>
+          <a:bodyPr rtlCol="0" anchor="ctr"/>
+          <a:lstStyle/>
+          <a:p>
             <a:pPr algn="ctr"/>
             <a:r>
-              <a:rPr lang="en-US" sz="5400" dirty="0">
-                <a:ln w="0"/>
-                <a:solidFill>
-                  <a:schemeClr val="accent1"/>
-                </a:solidFill>
-                <a:effectLst>
-                  <a:outerShdw blurRad="38100" dist="25400" dir="5400000" algn="ctr" rotWithShape="0">
-                    <a:srgbClr val="6E747A">
-                      <a:alpha val="43000"/>
-                    </a:srgbClr>
-                  </a:outerShdw>
-                </a:effectLst>
-              </a:rPr>
-              <a:t>Working Demo</a:t>
+              <a:rPr lang="en-US" dirty="0" err="1"/>
+              <a:t>ErrorPage</a:t>
             </a:r>
-            <a:endParaRPr lang="en-US" sz="5400" b="0" cap="none" spc="0" dirty="0">
-              <a:ln w="0"/>
-              <a:solidFill>
-                <a:schemeClr val="accent1"/>
-              </a:solidFill>
-              <a:effectLst>
-                <a:outerShdw blurRad="38100" dist="25400" dir="5400000" algn="ctr" rotWithShape="0">
-                  <a:srgbClr val="6E747A">
-                    <a:alpha val="43000"/>
-                  </a:srgbClr>
-                </a:outerShdw>
-              </a:effectLst>
-            </a:endParaRPr>
+            <a:endParaRPr lang="en-IN" dirty="0"/>
           </a:p>
         </p:txBody>
       </p:sp>
     </p:spTree>
     <p:extLst>
       <p:ext uri="{BB962C8B-B14F-4D97-AF65-F5344CB8AC3E}">
-        <p14:creationId xmlns:p14="http://schemas.microsoft.com/office/powerpoint/2010/main" val="3557518551"/>
+        <p14:creationId xmlns:p14="http://schemas.microsoft.com/office/powerpoint/2010/main" val="3513155746"/>
       </p:ext>
     </p:extLst>
   </p:cSld>
